--- a/Curso de Android - Platzi.pptx
+++ b/Curso de Android - Platzi.pptx
@@ -181,7 +181,7 @@
           <a:noFill/>
           <a:extLst>
             <a:ext uri="{909E8E84-426E-40dd-AFC4-6F175D3DCCD1}">
-              <a14:hiddenFill xmlns="" xmlns:a14="http://schemas.microsoft.com/office/drawing/2010/main">
+              <a14:hiddenFill xmlns:a14="http://schemas.microsoft.com/office/drawing/2010/main" xmlns="">
                 <a:solidFill>
                   <a:srgbClr val="FFFFFF"/>
                 </a:solidFill>
@@ -241,7 +241,7 @@
             </a:ln>
             <a:extLst>
               <a:ext uri="{91240B29-F687-4f45-9708-019B960494DF}">
-                <a14:hiddenLine xmlns="" xmlns:a14="http://schemas.microsoft.com/office/drawing/2010/main" w="9525">
+                <a14:hiddenLine xmlns:a14="http://schemas.microsoft.com/office/drawing/2010/main" xmlns="" w="9525">
                   <a:solidFill>
                     <a:srgbClr val="000000"/>
                   </a:solidFill>
@@ -331,7 +331,7 @@
             </a:ln>
             <a:extLst>
               <a:ext uri="{91240B29-F687-4f45-9708-019B960494DF}">
-                <a14:hiddenLine xmlns="" xmlns:a14="http://schemas.microsoft.com/office/drawing/2010/main" w="9525">
+                <a14:hiddenLine xmlns:a14="http://schemas.microsoft.com/office/drawing/2010/main" xmlns="" w="9525">
                   <a:solidFill>
                     <a:srgbClr val="000000"/>
                   </a:solidFill>
@@ -421,7 +421,7 @@
             </a:ln>
             <a:extLst>
               <a:ext uri="{91240B29-F687-4f45-9708-019B960494DF}">
-                <a14:hiddenLine xmlns="" xmlns:a14="http://schemas.microsoft.com/office/drawing/2010/main" w="9525">
+                <a14:hiddenLine xmlns:a14="http://schemas.microsoft.com/office/drawing/2010/main" xmlns="" w="9525">
                   <a:solidFill>
                     <a:srgbClr val="000000"/>
                   </a:solidFill>
@@ -455,7 +455,7 @@
             </a:ln>
             <a:extLst>
               <a:ext uri="{91240B29-F687-4f45-9708-019B960494DF}">
-                <a14:hiddenLine xmlns="" xmlns:a14="http://schemas.microsoft.com/office/drawing/2010/main" w="9525">
+                <a14:hiddenLine xmlns:a14="http://schemas.microsoft.com/office/drawing/2010/main" xmlns="" w="9525">
                   <a:solidFill>
                     <a:srgbClr val="000000"/>
                   </a:solidFill>
@@ -545,7 +545,7 @@
             </a:ln>
             <a:extLst>
               <a:ext uri="{91240B29-F687-4f45-9708-019B960494DF}">
-                <a14:hiddenLine xmlns="" xmlns:a14="http://schemas.microsoft.com/office/drawing/2010/main" w="9525">
+                <a14:hiddenLine xmlns:a14="http://schemas.microsoft.com/office/drawing/2010/main" xmlns="" w="9525">
                   <a:solidFill>
                     <a:srgbClr val="000000"/>
                   </a:solidFill>
@@ -607,7 +607,7 @@
             </a:ln>
             <a:extLst>
               <a:ext uri="{91240B29-F687-4f45-9708-019B960494DF}">
-                <a14:hiddenLine xmlns="" xmlns:a14="http://schemas.microsoft.com/office/drawing/2010/main" w="9525">
+                <a14:hiddenLine xmlns:a14="http://schemas.microsoft.com/office/drawing/2010/main" xmlns="" w="9525">
                   <a:solidFill>
                     <a:srgbClr val="000000"/>
                   </a:solidFill>
@@ -669,7 +669,7 @@
             </a:ln>
             <a:extLst>
               <a:ext uri="{91240B29-F687-4f45-9708-019B960494DF}">
-                <a14:hiddenLine xmlns="" xmlns:a14="http://schemas.microsoft.com/office/drawing/2010/main" w="9525">
+                <a14:hiddenLine xmlns:a14="http://schemas.microsoft.com/office/drawing/2010/main" xmlns="" w="9525">
                   <a:solidFill>
                     <a:srgbClr val="000000"/>
                   </a:solidFill>
@@ -759,7 +759,7 @@
             </a:ln>
             <a:extLst>
               <a:ext uri="{91240B29-F687-4f45-9708-019B960494DF}">
-                <a14:hiddenLine xmlns="" xmlns:a14="http://schemas.microsoft.com/office/drawing/2010/main" w="9525">
+                <a14:hiddenLine xmlns:a14="http://schemas.microsoft.com/office/drawing/2010/main" xmlns="" w="9525">
                   <a:solidFill>
                     <a:srgbClr val="000000"/>
                   </a:solidFill>
@@ -821,7 +821,7 @@
             </a:ln>
             <a:extLst>
               <a:ext uri="{91240B29-F687-4f45-9708-019B960494DF}">
-                <a14:hiddenLine xmlns="" xmlns:a14="http://schemas.microsoft.com/office/drawing/2010/main" w="9525">
+                <a14:hiddenLine xmlns:a14="http://schemas.microsoft.com/office/drawing/2010/main" xmlns="" w="9525">
                   <a:solidFill>
                     <a:srgbClr val="000000"/>
                   </a:solidFill>
@@ -883,7 +883,7 @@
             </a:ln>
             <a:extLst>
               <a:ext uri="{91240B29-F687-4f45-9708-019B960494DF}">
-                <a14:hiddenLine xmlns="" xmlns:a14="http://schemas.microsoft.com/office/drawing/2010/main" w="9525">
+                <a14:hiddenLine xmlns:a14="http://schemas.microsoft.com/office/drawing/2010/main" xmlns="" w="9525">
                   <a:solidFill>
                     <a:srgbClr val="000000"/>
                   </a:solidFill>
@@ -973,7 +973,7 @@
             </a:ln>
             <a:extLst>
               <a:ext uri="{91240B29-F687-4f45-9708-019B960494DF}">
-                <a14:hiddenLine xmlns="" xmlns:a14="http://schemas.microsoft.com/office/drawing/2010/main" w="9525">
+                <a14:hiddenLine xmlns:a14="http://schemas.microsoft.com/office/drawing/2010/main" xmlns="" w="9525">
                   <a:solidFill>
                     <a:srgbClr val="000000"/>
                   </a:solidFill>
@@ -1063,7 +1063,7 @@
             </a:ln>
             <a:extLst>
               <a:ext uri="{91240B29-F687-4f45-9708-019B960494DF}">
-                <a14:hiddenLine xmlns="" xmlns:a14="http://schemas.microsoft.com/office/drawing/2010/main" w="9525">
+                <a14:hiddenLine xmlns:a14="http://schemas.microsoft.com/office/drawing/2010/main" xmlns="" w="9525">
                   <a:solidFill>
                     <a:srgbClr val="000000"/>
                   </a:solidFill>
@@ -1125,7 +1125,7 @@
             </a:ln>
             <a:extLst>
               <a:ext uri="{91240B29-F687-4f45-9708-019B960494DF}">
-                <a14:hiddenLine xmlns="" xmlns:a14="http://schemas.microsoft.com/office/drawing/2010/main" w="9525">
+                <a14:hiddenLine xmlns:a14="http://schemas.microsoft.com/office/drawing/2010/main" xmlns="" w="9525">
                   <a:solidFill>
                     <a:srgbClr val="000000"/>
                   </a:solidFill>
@@ -1235,7 +1235,7 @@
             </a:ln>
             <a:extLst>
               <a:ext uri="{91240B29-F687-4f45-9708-019B960494DF}">
-                <a14:hiddenLine xmlns="" xmlns:a14="http://schemas.microsoft.com/office/drawing/2010/main" w="9525">
+                <a14:hiddenLine xmlns:a14="http://schemas.microsoft.com/office/drawing/2010/main" xmlns="" w="9525">
                   <a:solidFill>
                     <a:srgbClr val="000000"/>
                   </a:solidFill>
@@ -1297,7 +1297,7 @@
             </a:ln>
             <a:extLst>
               <a:ext uri="{91240B29-F687-4f45-9708-019B960494DF}">
-                <a14:hiddenLine xmlns="" xmlns:a14="http://schemas.microsoft.com/office/drawing/2010/main" w="9525">
+                <a14:hiddenLine xmlns:a14="http://schemas.microsoft.com/office/drawing/2010/main" xmlns="" w="9525">
                   <a:solidFill>
                     <a:srgbClr val="000000"/>
                   </a:solidFill>
@@ -1387,7 +1387,7 @@
             </a:ln>
             <a:extLst>
               <a:ext uri="{91240B29-F687-4f45-9708-019B960494DF}">
-                <a14:hiddenLine xmlns="" xmlns:a14="http://schemas.microsoft.com/office/drawing/2010/main" w="9525">
+                <a14:hiddenLine xmlns:a14="http://schemas.microsoft.com/office/drawing/2010/main" xmlns="" w="9525">
                   <a:solidFill>
                     <a:srgbClr val="000000"/>
                   </a:solidFill>
@@ -1477,7 +1477,7 @@
             </a:ln>
             <a:extLst>
               <a:ext uri="{91240B29-F687-4f45-9708-019B960494DF}">
-                <a14:hiddenLine xmlns="" xmlns:a14="http://schemas.microsoft.com/office/drawing/2010/main" w="9525">
+                <a14:hiddenLine xmlns:a14="http://schemas.microsoft.com/office/drawing/2010/main" xmlns="" w="9525">
                   <a:solidFill>
                     <a:srgbClr val="000000"/>
                   </a:solidFill>
@@ -1539,7 +1539,7 @@
             </a:ln>
             <a:extLst>
               <a:ext uri="{91240B29-F687-4f45-9708-019B960494DF}">
-                <a14:hiddenLine xmlns="" xmlns:a14="http://schemas.microsoft.com/office/drawing/2010/main" w="9525">
+                <a14:hiddenLine xmlns:a14="http://schemas.microsoft.com/office/drawing/2010/main" xmlns="" w="9525">
                   <a:solidFill>
                     <a:srgbClr val="000000"/>
                   </a:solidFill>
@@ -1629,7 +1629,7 @@
             </a:ln>
             <a:extLst>
               <a:ext uri="{91240B29-F687-4f45-9708-019B960494DF}">
-                <a14:hiddenLine xmlns="" xmlns:a14="http://schemas.microsoft.com/office/drawing/2010/main" w="9525">
+                <a14:hiddenLine xmlns:a14="http://schemas.microsoft.com/office/drawing/2010/main" xmlns="" w="9525">
                   <a:solidFill>
                     <a:srgbClr val="000000"/>
                   </a:solidFill>
@@ -1719,7 +1719,7 @@
             </a:ln>
             <a:extLst>
               <a:ext uri="{91240B29-F687-4f45-9708-019B960494DF}">
-                <a14:hiddenLine xmlns="" xmlns:a14="http://schemas.microsoft.com/office/drawing/2010/main" w="9525">
+                <a14:hiddenLine xmlns:a14="http://schemas.microsoft.com/office/drawing/2010/main" xmlns="" w="9525">
                   <a:solidFill>
                     <a:srgbClr val="000000"/>
                   </a:solidFill>
@@ -1775,7 +1775,7 @@
             </a:ln>
             <a:extLst>
               <a:ext uri="{91240B29-F687-4f45-9708-019B960494DF}">
-                <a14:hiddenLine xmlns="" xmlns:a14="http://schemas.microsoft.com/office/drawing/2010/main" w="9525">
+                <a14:hiddenLine xmlns:a14="http://schemas.microsoft.com/office/drawing/2010/main" xmlns="" w="9525">
                   <a:solidFill>
                     <a:srgbClr val="000000"/>
                   </a:solidFill>
@@ -1865,7 +1865,7 @@
             </a:ln>
             <a:extLst>
               <a:ext uri="{91240B29-F687-4f45-9708-019B960494DF}">
-                <a14:hiddenLine xmlns="" xmlns:a14="http://schemas.microsoft.com/office/drawing/2010/main" w="9525">
+                <a14:hiddenLine xmlns:a14="http://schemas.microsoft.com/office/drawing/2010/main" xmlns="" w="9525">
                   <a:solidFill>
                     <a:srgbClr val="000000"/>
                   </a:solidFill>
@@ -1921,7 +1921,7 @@
             </a:ln>
             <a:extLst>
               <a:ext uri="{91240B29-F687-4f45-9708-019B960494DF}">
-                <a14:hiddenLine xmlns="" xmlns:a14="http://schemas.microsoft.com/office/drawing/2010/main" w="9525">
+                <a14:hiddenLine xmlns:a14="http://schemas.microsoft.com/office/drawing/2010/main" xmlns="" w="9525">
                   <a:solidFill>
                     <a:srgbClr val="000000"/>
                   </a:solidFill>
@@ -2011,7 +2011,7 @@
             </a:ln>
             <a:extLst>
               <a:ext uri="{91240B29-F687-4f45-9708-019B960494DF}">
-                <a14:hiddenLine xmlns="" xmlns:a14="http://schemas.microsoft.com/office/drawing/2010/main" w="9525">
+                <a14:hiddenLine xmlns:a14="http://schemas.microsoft.com/office/drawing/2010/main" xmlns="" w="9525">
                   <a:solidFill>
                     <a:srgbClr val="000000"/>
                   </a:solidFill>
@@ -2079,7 +2079,7 @@
             </a:ln>
             <a:extLst>
               <a:ext uri="{91240B29-F687-4f45-9708-019B960494DF}">
-                <a14:hiddenLine xmlns="" xmlns:a14="http://schemas.microsoft.com/office/drawing/2010/main" w="9525">
+                <a14:hiddenLine xmlns:a14="http://schemas.microsoft.com/office/drawing/2010/main" xmlns="" w="9525">
                   <a:solidFill>
                     <a:srgbClr val="000000"/>
                   </a:solidFill>
@@ -2169,7 +2169,7 @@
             </a:ln>
             <a:extLst>
               <a:ext uri="{91240B29-F687-4f45-9708-019B960494DF}">
-                <a14:hiddenLine xmlns="" xmlns:a14="http://schemas.microsoft.com/office/drawing/2010/main" w="9525">
+                <a14:hiddenLine xmlns:a14="http://schemas.microsoft.com/office/drawing/2010/main" xmlns="" w="9525">
                   <a:solidFill>
                     <a:srgbClr val="000000"/>
                   </a:solidFill>
@@ -2237,7 +2237,7 @@
             </a:ln>
             <a:extLst>
               <a:ext uri="{91240B29-F687-4f45-9708-019B960494DF}">
-                <a14:hiddenLine xmlns="" xmlns:a14="http://schemas.microsoft.com/office/drawing/2010/main" w="9525">
+                <a14:hiddenLine xmlns:a14="http://schemas.microsoft.com/office/drawing/2010/main" xmlns="" w="9525">
                   <a:solidFill>
                     <a:srgbClr val="000000"/>
                   </a:solidFill>
@@ -2327,7 +2327,7 @@
             </a:ln>
             <a:extLst>
               <a:ext uri="{91240B29-F687-4f45-9708-019B960494DF}">
-                <a14:hiddenLine xmlns="" xmlns:a14="http://schemas.microsoft.com/office/drawing/2010/main" w="9525">
+                <a14:hiddenLine xmlns:a14="http://schemas.microsoft.com/office/drawing/2010/main" xmlns="" w="9525">
                   <a:solidFill>
                     <a:srgbClr val="000000"/>
                   </a:solidFill>
@@ -2361,7 +2361,7 @@
             </a:ln>
             <a:extLst>
               <a:ext uri="{91240B29-F687-4f45-9708-019B960494DF}">
-                <a14:hiddenLine xmlns="" xmlns:a14="http://schemas.microsoft.com/office/drawing/2010/main" w="9525">
+                <a14:hiddenLine xmlns:a14="http://schemas.microsoft.com/office/drawing/2010/main" xmlns="" w="9525">
                   <a:solidFill>
                     <a:srgbClr val="000000"/>
                   </a:solidFill>
@@ -2451,7 +2451,7 @@
             </a:ln>
             <a:extLst>
               <a:ext uri="{91240B29-F687-4f45-9708-019B960494DF}">
-                <a14:hiddenLine xmlns="" xmlns:a14="http://schemas.microsoft.com/office/drawing/2010/main" w="9525">
+                <a14:hiddenLine xmlns:a14="http://schemas.microsoft.com/office/drawing/2010/main" xmlns="" w="9525">
                   <a:solidFill>
                     <a:srgbClr val="000000"/>
                   </a:solidFill>
@@ -2513,7 +2513,7 @@
             </a:ln>
             <a:extLst>
               <a:ext uri="{91240B29-F687-4f45-9708-019B960494DF}">
-                <a14:hiddenLine xmlns="" xmlns:a14="http://schemas.microsoft.com/office/drawing/2010/main" w="9525">
+                <a14:hiddenLine xmlns:a14="http://schemas.microsoft.com/office/drawing/2010/main" xmlns="" w="9525">
                   <a:solidFill>
                     <a:srgbClr val="000000"/>
                   </a:solidFill>
@@ -2575,7 +2575,7 @@
             </a:ln>
             <a:extLst>
               <a:ext uri="{91240B29-F687-4f45-9708-019B960494DF}">
-                <a14:hiddenLine xmlns="" xmlns:a14="http://schemas.microsoft.com/office/drawing/2010/main" w="9525">
+                <a14:hiddenLine xmlns:a14="http://schemas.microsoft.com/office/drawing/2010/main" xmlns="" w="9525">
                   <a:solidFill>
                     <a:srgbClr val="000000"/>
                   </a:solidFill>
@@ -2665,7 +2665,7 @@
             </a:ln>
             <a:extLst>
               <a:ext uri="{91240B29-F687-4f45-9708-019B960494DF}">
-                <a14:hiddenLine xmlns="" xmlns:a14="http://schemas.microsoft.com/office/drawing/2010/main" w="9525">
+                <a14:hiddenLine xmlns:a14="http://schemas.microsoft.com/office/drawing/2010/main" xmlns="" w="9525">
                   <a:solidFill>
                     <a:srgbClr val="000000"/>
                   </a:solidFill>
@@ -2733,7 +2733,7 @@
             </a:ln>
             <a:extLst>
               <a:ext uri="{91240B29-F687-4f45-9708-019B960494DF}">
-                <a14:hiddenLine xmlns="" xmlns:a14="http://schemas.microsoft.com/office/drawing/2010/main" w="9525">
+                <a14:hiddenLine xmlns:a14="http://schemas.microsoft.com/office/drawing/2010/main" xmlns="" w="9525">
                   <a:solidFill>
                     <a:srgbClr val="000000"/>
                   </a:solidFill>
@@ -2795,7 +2795,7 @@
             </a:ln>
             <a:extLst>
               <a:ext uri="{91240B29-F687-4f45-9708-019B960494DF}">
-                <a14:hiddenLine xmlns="" xmlns:a14="http://schemas.microsoft.com/office/drawing/2010/main" w="9525">
+                <a14:hiddenLine xmlns:a14="http://schemas.microsoft.com/office/drawing/2010/main" xmlns="" w="9525">
                   <a:solidFill>
                     <a:srgbClr val="000000"/>
                   </a:solidFill>
@@ -2885,7 +2885,7 @@
             </a:ln>
             <a:extLst>
               <a:ext uri="{91240B29-F687-4f45-9708-019B960494DF}">
-                <a14:hiddenLine xmlns="" xmlns:a14="http://schemas.microsoft.com/office/drawing/2010/main" w="9525">
+                <a14:hiddenLine xmlns:a14="http://schemas.microsoft.com/office/drawing/2010/main" xmlns="" w="9525">
                   <a:solidFill>
                     <a:srgbClr val="000000"/>
                   </a:solidFill>
@@ -2947,7 +2947,7 @@
             </a:ln>
             <a:extLst>
               <a:ext uri="{91240B29-F687-4f45-9708-019B960494DF}">
-                <a14:hiddenLine xmlns="" xmlns:a14="http://schemas.microsoft.com/office/drawing/2010/main" w="9525">
+                <a14:hiddenLine xmlns:a14="http://schemas.microsoft.com/office/drawing/2010/main" xmlns="" w="9525">
                   <a:solidFill>
                     <a:srgbClr val="000000"/>
                   </a:solidFill>
@@ -3037,7 +3037,7 @@
             </a:ln>
             <a:extLst>
               <a:ext uri="{91240B29-F687-4f45-9708-019B960494DF}">
-                <a14:hiddenLine xmlns="" xmlns:a14="http://schemas.microsoft.com/office/drawing/2010/main" w="9525">
+                <a14:hiddenLine xmlns:a14="http://schemas.microsoft.com/office/drawing/2010/main" xmlns="" w="9525">
                   <a:solidFill>
                     <a:srgbClr val="000000"/>
                   </a:solidFill>
@@ -3099,7 +3099,7 @@
             </a:ln>
             <a:extLst>
               <a:ext uri="{91240B29-F687-4f45-9708-019B960494DF}">
-                <a14:hiddenLine xmlns="" xmlns:a14="http://schemas.microsoft.com/office/drawing/2010/main" w="9525">
+                <a14:hiddenLine xmlns:a14="http://schemas.microsoft.com/office/drawing/2010/main" xmlns="" w="9525">
                   <a:solidFill>
                     <a:srgbClr val="000000"/>
                   </a:solidFill>
@@ -3189,7 +3189,7 @@
             </a:ln>
             <a:extLst>
               <a:ext uri="{91240B29-F687-4f45-9708-019B960494DF}">
-                <a14:hiddenLine xmlns="" xmlns:a14="http://schemas.microsoft.com/office/drawing/2010/main" w="9525">
+                <a14:hiddenLine xmlns:a14="http://schemas.microsoft.com/office/drawing/2010/main" xmlns="" w="9525">
                   <a:solidFill>
                     <a:srgbClr val="000000"/>
                   </a:solidFill>
@@ -3223,7 +3223,7 @@
             </a:ln>
             <a:extLst>
               <a:ext uri="{91240B29-F687-4f45-9708-019B960494DF}">
-                <a14:hiddenLine xmlns="" xmlns:a14="http://schemas.microsoft.com/office/drawing/2010/main" w="9525">
+                <a14:hiddenLine xmlns:a14="http://schemas.microsoft.com/office/drawing/2010/main" xmlns="" w="9525">
                   <a:solidFill>
                     <a:srgbClr val="000000"/>
                   </a:solidFill>
@@ -3288,7 +3288,7 @@
             </a:ln>
             <a:extLst>
               <a:ext uri="{91240B29-F687-4f45-9708-019B960494DF}">
-                <a14:hiddenLine xmlns="" xmlns:a14="http://schemas.microsoft.com/office/drawing/2010/main" w="9525">
+                <a14:hiddenLine xmlns:a14="http://schemas.microsoft.com/office/drawing/2010/main" xmlns="" w="9525">
                   <a:solidFill>
                     <a:srgbClr val="000000"/>
                   </a:solidFill>
@@ -3378,7 +3378,7 @@
             </a:ln>
             <a:extLst>
               <a:ext uri="{91240B29-F687-4f45-9708-019B960494DF}">
-                <a14:hiddenLine xmlns="" xmlns:a14="http://schemas.microsoft.com/office/drawing/2010/main" w="9525">
+                <a14:hiddenLine xmlns:a14="http://schemas.microsoft.com/office/drawing/2010/main" xmlns="" w="9525">
                   <a:solidFill>
                     <a:srgbClr val="000000"/>
                   </a:solidFill>
@@ -3440,7 +3440,7 @@
             </a:ln>
             <a:extLst>
               <a:ext uri="{91240B29-F687-4f45-9708-019B960494DF}">
-                <a14:hiddenLine xmlns="" xmlns:a14="http://schemas.microsoft.com/office/drawing/2010/main" w="9525">
+                <a14:hiddenLine xmlns:a14="http://schemas.microsoft.com/office/drawing/2010/main" xmlns="" w="9525">
                   <a:solidFill>
                     <a:srgbClr val="000000"/>
                   </a:solidFill>
@@ -3530,7 +3530,7 @@
             </a:ln>
             <a:extLst>
               <a:ext uri="{91240B29-F687-4f45-9708-019B960494DF}">
-                <a14:hiddenLine xmlns="" xmlns:a14="http://schemas.microsoft.com/office/drawing/2010/main" w="9525">
+                <a14:hiddenLine xmlns:a14="http://schemas.microsoft.com/office/drawing/2010/main" xmlns="" w="9525">
                   <a:solidFill>
                     <a:srgbClr val="000000"/>
                   </a:solidFill>
@@ -3620,7 +3620,7 @@
             </a:ln>
             <a:extLst>
               <a:ext uri="{91240B29-F687-4f45-9708-019B960494DF}">
-                <a14:hiddenLine xmlns="" xmlns:a14="http://schemas.microsoft.com/office/drawing/2010/main" w="9525">
+                <a14:hiddenLine xmlns:a14="http://schemas.microsoft.com/office/drawing/2010/main" xmlns="" w="9525">
                   <a:solidFill>
                     <a:srgbClr val="000000"/>
                   </a:solidFill>
@@ -3685,7 +3685,7 @@
             </a:ln>
             <a:extLst>
               <a:ext uri="{91240B29-F687-4f45-9708-019B960494DF}">
-                <a14:hiddenLine xmlns="" xmlns:a14="http://schemas.microsoft.com/office/drawing/2010/main" w="9525">
+                <a14:hiddenLine xmlns:a14="http://schemas.microsoft.com/office/drawing/2010/main" xmlns="" w="9525">
                   <a:solidFill>
                     <a:srgbClr val="000000"/>
                   </a:solidFill>
@@ -3747,7 +3747,7 @@
             </a:ln>
             <a:extLst>
               <a:ext uri="{91240B29-F687-4f45-9708-019B960494DF}">
-                <a14:hiddenLine xmlns="" xmlns:a14="http://schemas.microsoft.com/office/drawing/2010/main" w="9525">
+                <a14:hiddenLine xmlns:a14="http://schemas.microsoft.com/office/drawing/2010/main" xmlns="" w="9525">
                   <a:solidFill>
                     <a:srgbClr val="000000"/>
                   </a:solidFill>
@@ -3837,7 +3837,7 @@
             </a:ln>
             <a:extLst>
               <a:ext uri="{91240B29-F687-4f45-9708-019B960494DF}">
-                <a14:hiddenLine xmlns="" xmlns:a14="http://schemas.microsoft.com/office/drawing/2010/main" w="9525">
+                <a14:hiddenLine xmlns:a14="http://schemas.microsoft.com/office/drawing/2010/main" xmlns="" w="9525">
                   <a:solidFill>
                     <a:srgbClr val="000000"/>
                   </a:solidFill>
@@ -3927,7 +3927,7 @@
             </a:ln>
             <a:extLst>
               <a:ext uri="{91240B29-F687-4f45-9708-019B960494DF}">
-                <a14:hiddenLine xmlns="" xmlns:a14="http://schemas.microsoft.com/office/drawing/2010/main" w="9525">
+                <a14:hiddenLine xmlns:a14="http://schemas.microsoft.com/office/drawing/2010/main" xmlns="" w="9525">
                   <a:solidFill>
                     <a:srgbClr val="000000"/>
                   </a:solidFill>
@@ -3989,7 +3989,7 @@
             </a:ln>
             <a:extLst>
               <a:ext uri="{91240B29-F687-4f45-9708-019B960494DF}">
-                <a14:hiddenLine xmlns="" xmlns:a14="http://schemas.microsoft.com/office/drawing/2010/main" w="9525">
+                <a14:hiddenLine xmlns:a14="http://schemas.microsoft.com/office/drawing/2010/main" xmlns="" w="9525">
                   <a:solidFill>
                     <a:srgbClr val="000000"/>
                   </a:solidFill>
@@ -4109,7 +4109,7 @@
             </a:ln>
             <a:extLst>
               <a:ext uri="{91240B29-F687-4f45-9708-019B960494DF}">
-                <a14:hiddenLine xmlns="" xmlns:a14="http://schemas.microsoft.com/office/drawing/2010/main" w="9525">
+                <a14:hiddenLine xmlns:a14="http://schemas.microsoft.com/office/drawing/2010/main" xmlns="" w="9525">
                   <a:solidFill>
                     <a:srgbClr val="000000"/>
                   </a:solidFill>
@@ -4177,7 +4177,7 @@
             </a:ln>
             <a:extLst>
               <a:ext uri="{91240B29-F687-4f45-9708-019B960494DF}">
-                <a14:hiddenLine xmlns="" xmlns:a14="http://schemas.microsoft.com/office/drawing/2010/main" w="9525">
+                <a14:hiddenLine xmlns:a14="http://schemas.microsoft.com/office/drawing/2010/main" xmlns="" w="9525">
                   <a:solidFill>
                     <a:srgbClr val="000000"/>
                   </a:solidFill>
@@ -4267,7 +4267,7 @@
             </a:ln>
             <a:extLst>
               <a:ext uri="{91240B29-F687-4f45-9708-019B960494DF}">
-                <a14:hiddenLine xmlns="" xmlns:a14="http://schemas.microsoft.com/office/drawing/2010/main" w="9525">
+                <a14:hiddenLine xmlns:a14="http://schemas.microsoft.com/office/drawing/2010/main" xmlns="" w="9525">
                   <a:solidFill>
                     <a:srgbClr val="000000"/>
                   </a:solidFill>
@@ -9074,7 +9074,7 @@
           <a:noFill/>
           <a:extLst>
             <a:ext uri="{909E8E84-426E-40dd-AFC4-6F175D3DCCD1}">
-              <a14:hiddenFill xmlns="" xmlns:a14="http://schemas.microsoft.com/office/drawing/2010/main">
+              <a14:hiddenFill xmlns:a14="http://schemas.microsoft.com/office/drawing/2010/main" xmlns="">
                 <a:solidFill>
                   <a:srgbClr val="FFFFFF"/>
                 </a:solidFill>
@@ -9148,7 +9148,7 @@
               </a:ln>
               <a:extLst>
                 <a:ext uri="{91240B29-F687-4f45-9708-019B960494DF}">
-                  <a14:hiddenLine xmlns="" xmlns:a14="http://schemas.microsoft.com/office/drawing/2010/main" w="9525">
+                  <a14:hiddenLine xmlns:a14="http://schemas.microsoft.com/office/drawing/2010/main" xmlns="" w="9525">
                     <a:solidFill>
                       <a:srgbClr val="000000"/>
                     </a:solidFill>
@@ -9238,7 +9238,7 @@
               </a:ln>
               <a:extLst>
                 <a:ext uri="{91240B29-F687-4f45-9708-019B960494DF}">
-                  <a14:hiddenLine xmlns="" xmlns:a14="http://schemas.microsoft.com/office/drawing/2010/main" w="9525">
+                  <a14:hiddenLine xmlns:a14="http://schemas.microsoft.com/office/drawing/2010/main" xmlns="" w="9525">
                     <a:solidFill>
                       <a:srgbClr val="000000"/>
                     </a:solidFill>
@@ -9328,7 +9328,7 @@
               </a:ln>
               <a:extLst>
                 <a:ext uri="{91240B29-F687-4f45-9708-019B960494DF}">
-                  <a14:hiddenLine xmlns="" xmlns:a14="http://schemas.microsoft.com/office/drawing/2010/main" w="9525">
+                  <a14:hiddenLine xmlns:a14="http://schemas.microsoft.com/office/drawing/2010/main" xmlns="" w="9525">
                     <a:solidFill>
                       <a:srgbClr val="000000"/>
                     </a:solidFill>
@@ -9390,7 +9390,7 @@
               </a:ln>
               <a:extLst>
                 <a:ext uri="{91240B29-F687-4f45-9708-019B960494DF}">
-                  <a14:hiddenLine xmlns="" xmlns:a14="http://schemas.microsoft.com/office/drawing/2010/main" w="9525">
+                  <a14:hiddenLine xmlns:a14="http://schemas.microsoft.com/office/drawing/2010/main" xmlns="" w="9525">
                     <a:solidFill>
                       <a:srgbClr val="000000"/>
                     </a:solidFill>
@@ -9480,7 +9480,7 @@
               </a:ln>
               <a:extLst>
                 <a:ext uri="{91240B29-F687-4f45-9708-019B960494DF}">
-                  <a14:hiddenLine xmlns="" xmlns:a14="http://schemas.microsoft.com/office/drawing/2010/main" w="9525">
+                  <a14:hiddenLine xmlns:a14="http://schemas.microsoft.com/office/drawing/2010/main" xmlns="" w="9525">
                     <a:solidFill>
                       <a:srgbClr val="000000"/>
                     </a:solidFill>
@@ -9542,7 +9542,7 @@
               </a:ln>
               <a:extLst>
                 <a:ext uri="{91240B29-F687-4f45-9708-019B960494DF}">
-                  <a14:hiddenLine xmlns="" xmlns:a14="http://schemas.microsoft.com/office/drawing/2010/main" w="9525">
+                  <a14:hiddenLine xmlns:a14="http://schemas.microsoft.com/office/drawing/2010/main" xmlns="" w="9525">
                     <a:solidFill>
                       <a:srgbClr val="000000"/>
                     </a:solidFill>
@@ -9604,7 +9604,7 @@
               </a:ln>
               <a:extLst>
                 <a:ext uri="{91240B29-F687-4f45-9708-019B960494DF}">
-                  <a14:hiddenLine xmlns="" xmlns:a14="http://schemas.microsoft.com/office/drawing/2010/main" w="9525">
+                  <a14:hiddenLine xmlns:a14="http://schemas.microsoft.com/office/drawing/2010/main" xmlns="" w="9525">
                     <a:solidFill>
                       <a:srgbClr val="000000"/>
                     </a:solidFill>
@@ -9694,7 +9694,7 @@
               </a:ln>
               <a:extLst>
                 <a:ext uri="{91240B29-F687-4f45-9708-019B960494DF}">
-                  <a14:hiddenLine xmlns="" xmlns:a14="http://schemas.microsoft.com/office/drawing/2010/main" w="9525">
+                  <a14:hiddenLine xmlns:a14="http://schemas.microsoft.com/office/drawing/2010/main" xmlns="" w="9525">
                     <a:solidFill>
                       <a:srgbClr val="000000"/>
                     </a:solidFill>
@@ -9784,7 +9784,7 @@
               </a:ln>
               <a:extLst>
                 <a:ext uri="{91240B29-F687-4f45-9708-019B960494DF}">
-                  <a14:hiddenLine xmlns="" xmlns:a14="http://schemas.microsoft.com/office/drawing/2010/main" w="9525">
+                  <a14:hiddenLine xmlns:a14="http://schemas.microsoft.com/office/drawing/2010/main" xmlns="" w="9525">
                     <a:solidFill>
                       <a:srgbClr val="000000"/>
                     </a:solidFill>
@@ -9846,7 +9846,7 @@
               </a:ln>
               <a:extLst>
                 <a:ext uri="{91240B29-F687-4f45-9708-019B960494DF}">
-                  <a14:hiddenLine xmlns="" xmlns:a14="http://schemas.microsoft.com/office/drawing/2010/main" w="9525">
+                  <a14:hiddenLine xmlns:a14="http://schemas.microsoft.com/office/drawing/2010/main" xmlns="" w="9525">
                     <a:solidFill>
                       <a:srgbClr val="000000"/>
                     </a:solidFill>
@@ -9956,7 +9956,7 @@
               </a:ln>
               <a:extLst>
                 <a:ext uri="{91240B29-F687-4f45-9708-019B960494DF}">
-                  <a14:hiddenLine xmlns="" xmlns:a14="http://schemas.microsoft.com/office/drawing/2010/main" w="9525">
+                  <a14:hiddenLine xmlns:a14="http://schemas.microsoft.com/office/drawing/2010/main" xmlns="" w="9525">
                     <a:solidFill>
                       <a:srgbClr val="000000"/>
                     </a:solidFill>
@@ -10040,7 +10040,7 @@
               </a:ln>
               <a:extLst>
                 <a:ext uri="{91240B29-F687-4f45-9708-019B960494DF}">
-                  <a14:hiddenLine xmlns="" xmlns:a14="http://schemas.microsoft.com/office/drawing/2010/main" w="9525">
+                  <a14:hiddenLine xmlns:a14="http://schemas.microsoft.com/office/drawing/2010/main" xmlns="" w="9525">
                     <a:solidFill>
                       <a:srgbClr val="000000"/>
                     </a:solidFill>
@@ -10102,7 +10102,7 @@
               </a:ln>
               <a:extLst>
                 <a:ext uri="{91240B29-F687-4f45-9708-019B960494DF}">
-                  <a14:hiddenLine xmlns="" xmlns:a14="http://schemas.microsoft.com/office/drawing/2010/main" w="9525">
+                  <a14:hiddenLine xmlns:a14="http://schemas.microsoft.com/office/drawing/2010/main" xmlns="" w="9525">
                     <a:solidFill>
                       <a:srgbClr val="000000"/>
                     </a:solidFill>
@@ -10164,7 +10164,7 @@
               </a:ln>
               <a:extLst>
                 <a:ext uri="{91240B29-F687-4f45-9708-019B960494DF}">
-                  <a14:hiddenLine xmlns="" xmlns:a14="http://schemas.microsoft.com/office/drawing/2010/main" w="9525">
+                  <a14:hiddenLine xmlns:a14="http://schemas.microsoft.com/office/drawing/2010/main" xmlns="" w="9525">
                     <a:solidFill>
                       <a:srgbClr val="000000"/>
                     </a:solidFill>
@@ -10254,7 +10254,7 @@
               </a:ln>
               <a:extLst>
                 <a:ext uri="{91240B29-F687-4f45-9708-019B960494DF}">
-                  <a14:hiddenLine xmlns="" xmlns:a14="http://schemas.microsoft.com/office/drawing/2010/main" w="9525">
+                  <a14:hiddenLine xmlns:a14="http://schemas.microsoft.com/office/drawing/2010/main" xmlns="" w="9525">
                     <a:solidFill>
                       <a:srgbClr val="000000"/>
                     </a:solidFill>
@@ -10288,7 +10288,7 @@
               </a:ln>
               <a:extLst>
                 <a:ext uri="{91240B29-F687-4f45-9708-019B960494DF}">
-                  <a14:hiddenLine xmlns="" xmlns:a14="http://schemas.microsoft.com/office/drawing/2010/main" w="9525">
+                  <a14:hiddenLine xmlns:a14="http://schemas.microsoft.com/office/drawing/2010/main" xmlns="" w="9525">
                     <a:solidFill>
                       <a:srgbClr val="000000"/>
                     </a:solidFill>
@@ -10353,7 +10353,7 @@
               </a:ln>
               <a:extLst>
                 <a:ext uri="{91240B29-F687-4f45-9708-019B960494DF}">
-                  <a14:hiddenLine xmlns="" xmlns:a14="http://schemas.microsoft.com/office/drawing/2010/main" w="9525">
+                  <a14:hiddenLine xmlns:a14="http://schemas.microsoft.com/office/drawing/2010/main" xmlns="" w="9525">
                     <a:solidFill>
                       <a:srgbClr val="000000"/>
                     </a:solidFill>
@@ -10443,7 +10443,7 @@
               </a:ln>
               <a:extLst>
                 <a:ext uri="{91240B29-F687-4f45-9708-019B960494DF}">
-                  <a14:hiddenLine xmlns="" xmlns:a14="http://schemas.microsoft.com/office/drawing/2010/main" w="9525">
+                  <a14:hiddenLine xmlns:a14="http://schemas.microsoft.com/office/drawing/2010/main" xmlns="" w="9525">
                     <a:solidFill>
                       <a:srgbClr val="000000"/>
                     </a:solidFill>
@@ -10505,7 +10505,7 @@
               </a:ln>
               <a:extLst>
                 <a:ext uri="{91240B29-F687-4f45-9708-019B960494DF}">
-                  <a14:hiddenLine xmlns="" xmlns:a14="http://schemas.microsoft.com/office/drawing/2010/main" w="9525">
+                  <a14:hiddenLine xmlns:a14="http://schemas.microsoft.com/office/drawing/2010/main" xmlns="" w="9525">
                     <a:solidFill>
                       <a:srgbClr val="000000"/>
                     </a:solidFill>
@@ -10595,7 +10595,7 @@
               </a:ln>
               <a:extLst>
                 <a:ext uri="{91240B29-F687-4f45-9708-019B960494DF}">
-                  <a14:hiddenLine xmlns="" xmlns:a14="http://schemas.microsoft.com/office/drawing/2010/main" w="9525">
+                  <a14:hiddenLine xmlns:a14="http://schemas.microsoft.com/office/drawing/2010/main" xmlns="" w="9525">
                     <a:solidFill>
                       <a:srgbClr val="000000"/>
                     </a:solidFill>
@@ -10660,7 +10660,7 @@
               </a:ln>
               <a:extLst>
                 <a:ext uri="{91240B29-F687-4f45-9708-019B960494DF}">
-                  <a14:hiddenLine xmlns="" xmlns:a14="http://schemas.microsoft.com/office/drawing/2010/main" w="9525">
+                  <a14:hiddenLine xmlns:a14="http://schemas.microsoft.com/office/drawing/2010/main" xmlns="" w="9525">
                     <a:solidFill>
                       <a:srgbClr val="000000"/>
                     </a:solidFill>
@@ -10722,7 +10722,7 @@
               </a:ln>
               <a:extLst>
                 <a:ext uri="{91240B29-F687-4f45-9708-019B960494DF}">
-                  <a14:hiddenLine xmlns="" xmlns:a14="http://schemas.microsoft.com/office/drawing/2010/main" w="9525">
+                  <a14:hiddenLine xmlns:a14="http://schemas.microsoft.com/office/drawing/2010/main" xmlns="" w="9525">
                     <a:solidFill>
                       <a:srgbClr val="000000"/>
                     </a:solidFill>
@@ -10812,7 +10812,7 @@
               </a:ln>
               <a:extLst>
                 <a:ext uri="{91240B29-F687-4f45-9708-019B960494DF}">
-                  <a14:hiddenLine xmlns="" xmlns:a14="http://schemas.microsoft.com/office/drawing/2010/main" w="9525">
+                  <a14:hiddenLine xmlns:a14="http://schemas.microsoft.com/office/drawing/2010/main" xmlns="" w="9525">
                     <a:solidFill>
                       <a:srgbClr val="000000"/>
                     </a:solidFill>
@@ -10902,7 +10902,7 @@
               </a:ln>
               <a:extLst>
                 <a:ext uri="{91240B29-F687-4f45-9708-019B960494DF}">
-                  <a14:hiddenLine xmlns="" xmlns:a14="http://schemas.microsoft.com/office/drawing/2010/main" w="9525">
+                  <a14:hiddenLine xmlns:a14="http://schemas.microsoft.com/office/drawing/2010/main" xmlns="" w="9525">
                     <a:solidFill>
                       <a:srgbClr val="000000"/>
                     </a:solidFill>
@@ -10967,7 +10967,7 @@
               </a:ln>
               <a:extLst>
                 <a:ext uri="{91240B29-F687-4f45-9708-019B960494DF}">
-                  <a14:hiddenLine xmlns="" xmlns:a14="http://schemas.microsoft.com/office/drawing/2010/main" w="9525">
+                  <a14:hiddenLine xmlns:a14="http://schemas.microsoft.com/office/drawing/2010/main" xmlns="" w="9525">
                     <a:solidFill>
                       <a:srgbClr val="000000"/>
                     </a:solidFill>
@@ -11087,7 +11087,7 @@
               </a:ln>
               <a:extLst>
                 <a:ext uri="{91240B29-F687-4f45-9708-019B960494DF}">
-                  <a14:hiddenLine xmlns="" xmlns:a14="http://schemas.microsoft.com/office/drawing/2010/main" w="9525">
+                  <a14:hiddenLine xmlns:a14="http://schemas.microsoft.com/office/drawing/2010/main" xmlns="" w="9525">
                     <a:solidFill>
                       <a:srgbClr val="000000"/>
                     </a:solidFill>
@@ -11185,7 +11185,7 @@
               </a:ln>
               <a:extLst>
                 <a:ext uri="{91240B29-F687-4f45-9708-019B960494DF}">
-                  <a14:hiddenLine xmlns="" xmlns:a14="http://schemas.microsoft.com/office/drawing/2010/main" w="9525">
+                  <a14:hiddenLine xmlns:a14="http://schemas.microsoft.com/office/drawing/2010/main" xmlns="" w="9525">
                     <a:solidFill>
                       <a:srgbClr val="000000"/>
                     </a:solidFill>
@@ -11300,7 +11300,7 @@
               </a:ln>
               <a:extLst>
                 <a:ext uri="{91240B29-F687-4f45-9708-019B960494DF}">
-                  <a14:hiddenLine xmlns="" xmlns:a14="http://schemas.microsoft.com/office/drawing/2010/main" w="9525">
+                  <a14:hiddenLine xmlns:a14="http://schemas.microsoft.com/office/drawing/2010/main" xmlns="" w="9525">
                     <a:solidFill>
                       <a:srgbClr val="000000"/>
                     </a:solidFill>
@@ -11390,7 +11390,7 @@
               </a:ln>
               <a:extLst>
                 <a:ext uri="{91240B29-F687-4f45-9708-019B960494DF}">
-                  <a14:hiddenLine xmlns="" xmlns:a14="http://schemas.microsoft.com/office/drawing/2010/main" w="9525">
+                  <a14:hiddenLine xmlns:a14="http://schemas.microsoft.com/office/drawing/2010/main" xmlns="" w="9525">
                     <a:solidFill>
                       <a:srgbClr val="000000"/>
                     </a:solidFill>
@@ -11455,7 +11455,7 @@
               </a:ln>
               <a:extLst>
                 <a:ext uri="{91240B29-F687-4f45-9708-019B960494DF}">
-                  <a14:hiddenLine xmlns="" xmlns:a14="http://schemas.microsoft.com/office/drawing/2010/main" w="9525">
+                  <a14:hiddenLine xmlns:a14="http://schemas.microsoft.com/office/drawing/2010/main" xmlns="" w="9525">
                     <a:solidFill>
                       <a:srgbClr val="000000"/>
                     </a:solidFill>
@@ -11545,7 +11545,7 @@
               </a:ln>
               <a:extLst>
                 <a:ext uri="{91240B29-F687-4f45-9708-019B960494DF}">
-                  <a14:hiddenLine xmlns="" xmlns:a14="http://schemas.microsoft.com/office/drawing/2010/main" w="9525">
+                  <a14:hiddenLine xmlns:a14="http://schemas.microsoft.com/office/drawing/2010/main" xmlns="" w="9525">
                     <a:solidFill>
                       <a:srgbClr val="000000"/>
                     </a:solidFill>
@@ -11613,7 +11613,7 @@
               </a:ln>
               <a:extLst>
                 <a:ext uri="{91240B29-F687-4f45-9708-019B960494DF}">
-                  <a14:hiddenLine xmlns="" xmlns:a14="http://schemas.microsoft.com/office/drawing/2010/main" w="9525">
+                  <a14:hiddenLine xmlns:a14="http://schemas.microsoft.com/office/drawing/2010/main" xmlns="" w="9525">
                     <a:solidFill>
                       <a:srgbClr val="000000"/>
                     </a:solidFill>
@@ -11703,7 +11703,7 @@
               </a:ln>
               <a:extLst>
                 <a:ext uri="{91240B29-F687-4f45-9708-019B960494DF}">
-                  <a14:hiddenLine xmlns="" xmlns:a14="http://schemas.microsoft.com/office/drawing/2010/main" w="9525">
+                  <a14:hiddenLine xmlns:a14="http://schemas.microsoft.com/office/drawing/2010/main" xmlns="" w="9525">
                     <a:solidFill>
                       <a:srgbClr val="000000"/>
                     </a:solidFill>
@@ -11771,7 +11771,7 @@
               </a:ln>
               <a:extLst>
                 <a:ext uri="{91240B29-F687-4f45-9708-019B960494DF}">
-                  <a14:hiddenLine xmlns="" xmlns:a14="http://schemas.microsoft.com/office/drawing/2010/main" w="9525">
+                  <a14:hiddenLine xmlns:a14="http://schemas.microsoft.com/office/drawing/2010/main" xmlns="" w="9525">
                     <a:solidFill>
                       <a:srgbClr val="000000"/>
                     </a:solidFill>
@@ -11861,7 +11861,7 @@
               </a:ln>
               <a:extLst>
                 <a:ext uri="{91240B29-F687-4f45-9708-019B960494DF}">
-                  <a14:hiddenLine xmlns="" xmlns:a14="http://schemas.microsoft.com/office/drawing/2010/main" w="9525">
+                  <a14:hiddenLine xmlns:a14="http://schemas.microsoft.com/office/drawing/2010/main" xmlns="" w="9525">
                     <a:solidFill>
                       <a:srgbClr val="000000"/>
                     </a:solidFill>
@@ -11895,7 +11895,7 @@
               </a:ln>
               <a:extLst>
                 <a:ext uri="{91240B29-F687-4f45-9708-019B960494DF}">
-                  <a14:hiddenLine xmlns="" xmlns:a14="http://schemas.microsoft.com/office/drawing/2010/main" w="9525">
+                  <a14:hiddenLine xmlns:a14="http://schemas.microsoft.com/office/drawing/2010/main" xmlns="" w="9525">
                     <a:solidFill>
                       <a:srgbClr val="000000"/>
                     </a:solidFill>
@@ -12465,12 +12465,42 @@
             <p:ph type="ctrTitle"/>
           </p:nvPr>
         </p:nvSpPr>
-        <p:spPr/>
+        <p:spPr>
+          <a:xfrm>
+            <a:off x="1876424" y="412124"/>
+            <a:ext cx="8791575" cy="3097839"/>
+          </a:xfrm>
+        </p:spPr>
         <p:txBody>
-          <a:bodyPr/>
+          <a:bodyPr>
+            <a:normAutofit fontScale="90000"/>
+          </a:bodyPr>
           <a:lstStyle/>
           <a:p>
-            <a:endParaRPr lang="es-EC"/>
+            <a:pPr algn="ctr"/>
+            <a:r>
+              <a:rPr lang="es-EC" dirty="0" smtClean="0"/>
+              <a:t>INSTITUTO SUPERIOR TECNOLOGICO “RUMIÑAHUI”</a:t>
+            </a:r>
+            <a:br>
+              <a:rPr lang="es-EC" dirty="0" smtClean="0"/>
+            </a:br>
+            <a:r>
+              <a:rPr lang="es-EC" dirty="0"/>
+              <a:t/>
+            </a:r>
+            <a:br>
+              <a:rPr lang="es-EC" dirty="0"/>
+            </a:br>
+            <a:r>
+              <a:rPr lang="pt-BR" dirty="0"/>
+              <a:t>Curso de Bases Técnicas de </a:t>
+            </a:r>
+            <a:r>
+              <a:rPr lang="pt-BR" dirty="0" err="1"/>
+              <a:t>Android</a:t>
+            </a:r>
+            <a:endParaRPr lang="es-EC" dirty="0"/>
           </a:p>
         </p:txBody>
       </p:sp>
@@ -12489,7 +12519,40 @@
           <a:bodyPr/>
           <a:lstStyle/>
           <a:p>
-            <a:endParaRPr lang="es-EC"/>
+            <a:pPr algn="r"/>
+            <a:r>
+              <a:rPr lang="es-EC" dirty="0" smtClean="0"/>
+              <a:t>PROGRAMACI</a:t>
+            </a:r>
+            <a:r>
+              <a:rPr lang="es-EC" dirty="0"/>
+              <a:t>Ó</a:t>
+            </a:r>
+            <a:r>
+              <a:rPr lang="es-EC" dirty="0" smtClean="0"/>
+              <a:t>N ORIENTADA OBJETOS II</a:t>
+            </a:r>
+          </a:p>
+          <a:p>
+            <a:pPr algn="r"/>
+            <a:r>
+              <a:rPr lang="es-EC" dirty="0" smtClean="0"/>
+              <a:t>ALEXANDER LEGÑA </a:t>
+            </a:r>
+          </a:p>
+          <a:p>
+            <a:pPr algn="r"/>
+            <a:r>
+              <a:rPr lang="es-EC" dirty="0" smtClean="0"/>
+              <a:t>SEXTO SEMESTRE</a:t>
+            </a:r>
+          </a:p>
+          <a:p>
+            <a:pPr algn="r"/>
+            <a:endParaRPr lang="es-EC" dirty="0" smtClean="0"/>
+          </a:p>
+          <a:p>
+            <a:endParaRPr lang="es-EC" dirty="0"/>
           </a:p>
         </p:txBody>
       </p:sp>
@@ -12900,7 +12963,6 @@
               <a:rPr lang="es-EC" dirty="0"/>
               <a:t> Receivers (Receptores de Transmisiones)</a:t>
             </a:r>
-            <a:endParaRPr lang="es-EC" dirty="0"/>
           </a:p>
         </p:txBody>
       </p:sp>
